--- a/slide/5_Simple_Regression_Model_I.pptx
+++ b/slide/5_Simple_Regression_Model_I.pptx
@@ -144,149 +144,50 @@
 </p:presentation>
 </file>
 
+<file path=ppt/revisionInfo.xml><?xml version="1.0" encoding="utf-8"?>
+<p1510:revInfo xmlns:a="http://schemas.openxmlformats.org/drawingml/2006/main" xmlns:r="http://schemas.openxmlformats.org/officeDocument/2006/relationships" xmlns:p1510="http://schemas.microsoft.com/office/powerpoint/2015/10/main">
+  <p1510:revLst>
+    <p1510:client id="{66D395A0-DC0C-CA45-B229-6C1EB88B7CB7}" v="6" dt="2026-01-27T14:52:32.048"/>
+  </p1510:revLst>
+</p1510:revInfo>
+</file>
+
 <file path=ppt/changesInfos/changesInfo1.xml><?xml version="1.0" encoding="utf-8"?>
 <pc:chgInfo xmlns:a="http://schemas.openxmlformats.org/drawingml/2006/main" xmlns:r="http://schemas.openxmlformats.org/officeDocument/2006/relationships" xmlns:ac="http://schemas.microsoft.com/office/drawing/2013/main/command" xmlns:pc="http://schemas.microsoft.com/office/powerpoint/2013/main/command">
   <pc:docChgLst>
-    <pc:chgData name="Vallejo Vera, Sebastian" userId="9dbf769e-f5f7-4c1a-b214-de73a2d2b9d1" providerId="ADAL" clId="{2B9F761E-BC60-C94E-AC9C-D25C25D15C16}"/>
-    <pc:docChg chg="modSld">
-      <pc:chgData name="Vallejo Vera, Sebastian" userId="9dbf769e-f5f7-4c1a-b214-de73a2d2b9d1" providerId="ADAL" clId="{2B9F761E-BC60-C94E-AC9C-D25C25D15C16}" dt="2024-01-30T14:27:22.571" v="1"/>
-      <pc:docMkLst>
-        <pc:docMk/>
-      </pc:docMkLst>
-      <pc:sldChg chg="modAnim">
-        <pc:chgData name="Vallejo Vera, Sebastian" userId="9dbf769e-f5f7-4c1a-b214-de73a2d2b9d1" providerId="ADAL" clId="{2B9F761E-BC60-C94E-AC9C-D25C25D15C16}" dt="2024-01-30T14:25:54.673" v="0"/>
-        <pc:sldMkLst>
-          <pc:docMk/>
-          <pc:sldMk cId="2977338760" sldId="258"/>
-        </pc:sldMkLst>
-      </pc:sldChg>
-      <pc:sldChg chg="modAnim">
-        <pc:chgData name="Vallejo Vera, Sebastian" userId="9dbf769e-f5f7-4c1a-b214-de73a2d2b9d1" providerId="ADAL" clId="{2B9F761E-BC60-C94E-AC9C-D25C25D15C16}" dt="2024-01-30T14:27:22.571" v="1"/>
-        <pc:sldMkLst>
-          <pc:docMk/>
-          <pc:sldMk cId="3173617716" sldId="268"/>
-        </pc:sldMkLst>
-      </pc:sldChg>
-    </pc:docChg>
-  </pc:docChgLst>
-  <pc:docChgLst>
-    <pc:chgData name="Sebastian Vallejo Vera" userId="661f42ee-5565-49c4-8b1d-325f2d699b91" providerId="ADAL" clId="{A7DB73DF-5AA7-F742-A476-8F33CFB18A57}"/>
-    <pc:docChg chg="modSld">
-      <pc:chgData name="Sebastian Vallejo Vera" userId="661f42ee-5565-49c4-8b1d-325f2d699b91" providerId="ADAL" clId="{A7DB73DF-5AA7-F742-A476-8F33CFB18A57}" dt="2025-02-04T14:50:57.720" v="30" actId="20577"/>
+    <pc:chgData name="Sebastian Vallejo Vera" userId="661f42ee-5565-49c4-8b1d-325f2d699b91" providerId="ADAL" clId="{8C1EFA1F-0339-5164-815E-AFC004A65A72}"/>
+    <pc:docChg chg="undo custSel modSld">
+      <pc:chgData name="Sebastian Vallejo Vera" userId="661f42ee-5565-49c4-8b1d-325f2d699b91" providerId="ADAL" clId="{8C1EFA1F-0339-5164-815E-AFC004A65A72}" dt="2026-01-27T14:52:32.048" v="7"/>
       <pc:docMkLst>
         <pc:docMk/>
       </pc:docMkLst>
       <pc:sldChg chg="modSp">
-        <pc:chgData name="Sebastian Vallejo Vera" userId="661f42ee-5565-49c4-8b1d-325f2d699b91" providerId="ADAL" clId="{A7DB73DF-5AA7-F742-A476-8F33CFB18A57}" dt="2025-01-28T14:49:01.004" v="0" actId="13926"/>
+        <pc:chgData name="Sebastian Vallejo Vera" userId="661f42ee-5565-49c4-8b1d-325f2d699b91" providerId="ADAL" clId="{8C1EFA1F-0339-5164-815E-AFC004A65A72}" dt="2026-01-27T14:51:21.570" v="0" actId="20577"/>
         <pc:sldMkLst>
           <pc:docMk/>
-          <pc:sldMk cId="3173617716" sldId="268"/>
+          <pc:sldMk cId="4148877085" sldId="272"/>
         </pc:sldMkLst>
         <pc:spChg chg="mod">
-          <ac:chgData name="Sebastian Vallejo Vera" userId="661f42ee-5565-49c4-8b1d-325f2d699b91" providerId="ADAL" clId="{A7DB73DF-5AA7-F742-A476-8F33CFB18A57}" dt="2025-01-28T14:49:01.004" v="0" actId="13926"/>
+          <ac:chgData name="Sebastian Vallejo Vera" userId="661f42ee-5565-49c4-8b1d-325f2d699b91" providerId="ADAL" clId="{8C1EFA1F-0339-5164-815E-AFC004A65A72}" dt="2026-01-27T14:51:21.570" v="0" actId="20577"/>
           <ac:spMkLst>
             <pc:docMk/>
-            <pc:sldMk cId="3173617716" sldId="268"/>
-            <ac:spMk id="3" creationId="{F453CE11-22FB-873E-01E3-FBDBD2CDD57A}"/>
+            <pc:sldMk cId="4148877085" sldId="272"/>
+            <ac:spMk id="3" creationId="{B0D374F7-064B-AE6A-8157-991A180AEDF5}"/>
           </ac:spMkLst>
         </pc:spChg>
       </pc:sldChg>
-      <pc:sldChg chg="modSp mod">
-        <pc:chgData name="Sebastian Vallejo Vera" userId="661f42ee-5565-49c4-8b1d-325f2d699b91" providerId="ADAL" clId="{A7DB73DF-5AA7-F742-A476-8F33CFB18A57}" dt="2025-02-04T14:50:57.720" v="30" actId="20577"/>
+      <pc:sldChg chg="modSp mod modAnim">
+        <pc:chgData name="Sebastian Vallejo Vera" userId="661f42ee-5565-49c4-8b1d-325f2d699b91" providerId="ADAL" clId="{8C1EFA1F-0339-5164-815E-AFC004A65A72}" dt="2026-01-27T14:52:32.048" v="7"/>
         <pc:sldMkLst>
           <pc:docMk/>
-          <pc:sldMk cId="90779891" sldId="283"/>
+          <pc:sldMk cId="3213898774" sldId="282"/>
         </pc:sldMkLst>
         <pc:spChg chg="mod">
-          <ac:chgData name="Sebastian Vallejo Vera" userId="661f42ee-5565-49c4-8b1d-325f2d699b91" providerId="ADAL" clId="{A7DB73DF-5AA7-F742-A476-8F33CFB18A57}" dt="2025-02-04T14:50:57.720" v="30" actId="20577"/>
+          <ac:chgData name="Sebastian Vallejo Vera" userId="661f42ee-5565-49c4-8b1d-325f2d699b91" providerId="ADAL" clId="{8C1EFA1F-0339-5164-815E-AFC004A65A72}" dt="2026-01-27T14:52:22.080" v="5" actId="20578"/>
           <ac:spMkLst>
             <pc:docMk/>
-            <pc:sldMk cId="90779891" sldId="283"/>
-            <ac:spMk id="3" creationId="{66581A83-CD50-90C1-705B-A1C645F0865A}"/>
-          </ac:spMkLst>
-        </pc:spChg>
-      </pc:sldChg>
-      <pc:sldChg chg="modSp">
-        <pc:chgData name="Sebastian Vallejo Vera" userId="661f42ee-5565-49c4-8b1d-325f2d699b91" providerId="ADAL" clId="{A7DB73DF-5AA7-F742-A476-8F33CFB18A57}" dt="2025-02-04T14:47:41.212" v="2" actId="20577"/>
-        <pc:sldMkLst>
-          <pc:docMk/>
-          <pc:sldMk cId="1862039551" sldId="285"/>
-        </pc:sldMkLst>
-        <pc:spChg chg="mod">
-          <ac:chgData name="Sebastian Vallejo Vera" userId="661f42ee-5565-49c4-8b1d-325f2d699b91" providerId="ADAL" clId="{A7DB73DF-5AA7-F742-A476-8F33CFB18A57}" dt="2025-02-04T14:47:41.212" v="2" actId="20577"/>
-          <ac:spMkLst>
-            <pc:docMk/>
-            <pc:sldMk cId="1862039551" sldId="285"/>
-            <ac:spMk id="3" creationId="{95A0E812-B129-BB09-7261-3E151D3E3CDB}"/>
-          </ac:spMkLst>
-        </pc:spChg>
-      </pc:sldChg>
-      <pc:sldChg chg="modSp">
-        <pc:chgData name="Sebastian Vallejo Vera" userId="661f42ee-5565-49c4-8b1d-325f2d699b91" providerId="ADAL" clId="{A7DB73DF-5AA7-F742-A476-8F33CFB18A57}" dt="2025-02-04T14:48:49.650" v="18" actId="20577"/>
-        <pc:sldMkLst>
-          <pc:docMk/>
-          <pc:sldMk cId="4290903839" sldId="287"/>
-        </pc:sldMkLst>
-        <pc:spChg chg="mod">
-          <ac:chgData name="Sebastian Vallejo Vera" userId="661f42ee-5565-49c4-8b1d-325f2d699b91" providerId="ADAL" clId="{A7DB73DF-5AA7-F742-A476-8F33CFB18A57}" dt="2025-02-04T14:48:49.650" v="18" actId="20577"/>
-          <ac:spMkLst>
-            <pc:docMk/>
-            <pc:sldMk cId="4290903839" sldId="287"/>
-            <ac:spMk id="3" creationId="{5B098BF3-BC4C-A159-134B-BD3D2AEECB51}"/>
-          </ac:spMkLst>
-        </pc:spChg>
-      </pc:sldChg>
-    </pc:docChg>
-  </pc:docChgLst>
-  <pc:docChgLst>
-    <pc:chgData name="Sebastian Vallejo Vera" userId="661f42ee-5565-49c4-8b1d-325f2d699b91" providerId="ADAL" clId="{4D00B550-2332-004F-82FA-DED9C04719F1}"/>
-    <pc:docChg chg="modSld">
-      <pc:chgData name="Sebastian Vallejo Vera" userId="661f42ee-5565-49c4-8b1d-325f2d699b91" providerId="ADAL" clId="{4D00B550-2332-004F-82FA-DED9C04719F1}" dt="2025-03-06T23:30:52.282" v="13" actId="20577"/>
-      <pc:docMkLst>
-        <pc:docMk/>
-      </pc:docMkLst>
-      <pc:sldChg chg="modSp mod">
-        <pc:chgData name="Sebastian Vallejo Vera" userId="661f42ee-5565-49c4-8b1d-325f2d699b91" providerId="ADAL" clId="{4D00B550-2332-004F-82FA-DED9C04719F1}" dt="2025-03-06T23:29:03.912" v="0" actId="20577"/>
-        <pc:sldMkLst>
-          <pc:docMk/>
-          <pc:sldMk cId="1240769758" sldId="257"/>
-        </pc:sldMkLst>
-        <pc:spChg chg="mod">
-          <ac:chgData name="Sebastian Vallejo Vera" userId="661f42ee-5565-49c4-8b1d-325f2d699b91" providerId="ADAL" clId="{4D00B550-2332-004F-82FA-DED9C04719F1}" dt="2025-03-06T23:29:03.912" v="0" actId="20577"/>
-          <ac:spMkLst>
-            <pc:docMk/>
-            <pc:sldMk cId="1240769758" sldId="257"/>
-            <ac:spMk id="3" creationId="{A932CBBF-9718-5285-D27B-A5DF4D24B688}"/>
-          </ac:spMkLst>
-        </pc:spChg>
-      </pc:sldChg>
-      <pc:sldChg chg="modSp mod">
-        <pc:chgData name="Sebastian Vallejo Vera" userId="661f42ee-5565-49c4-8b1d-325f2d699b91" providerId="ADAL" clId="{4D00B550-2332-004F-82FA-DED9C04719F1}" dt="2025-03-06T23:29:35.864" v="8" actId="20577"/>
-        <pc:sldMkLst>
-          <pc:docMk/>
-          <pc:sldMk cId="295764200" sldId="263"/>
-        </pc:sldMkLst>
-        <pc:spChg chg="mod">
-          <ac:chgData name="Sebastian Vallejo Vera" userId="661f42ee-5565-49c4-8b1d-325f2d699b91" providerId="ADAL" clId="{4D00B550-2332-004F-82FA-DED9C04719F1}" dt="2025-03-06T23:29:35.864" v="8" actId="20577"/>
-          <ac:spMkLst>
-            <pc:docMk/>
-            <pc:sldMk cId="295764200" sldId="263"/>
-            <ac:spMk id="3" creationId="{836ADF38-0722-0650-293C-F3066C7BDD40}"/>
-          </ac:spMkLst>
-        </pc:spChg>
-      </pc:sldChg>
-      <pc:sldChg chg="modSp mod">
-        <pc:chgData name="Sebastian Vallejo Vera" userId="661f42ee-5565-49c4-8b1d-325f2d699b91" providerId="ADAL" clId="{4D00B550-2332-004F-82FA-DED9C04719F1}" dt="2025-03-06T23:30:52.282" v="13" actId="20577"/>
-        <pc:sldMkLst>
-          <pc:docMk/>
-          <pc:sldMk cId="2121661004" sldId="267"/>
-        </pc:sldMkLst>
-        <pc:spChg chg="mod">
-          <ac:chgData name="Sebastian Vallejo Vera" userId="661f42ee-5565-49c4-8b1d-325f2d699b91" providerId="ADAL" clId="{4D00B550-2332-004F-82FA-DED9C04719F1}" dt="2025-03-06T23:30:52.282" v="13" actId="20577"/>
-          <ac:spMkLst>
-            <pc:docMk/>
-            <pc:sldMk cId="2121661004" sldId="267"/>
-            <ac:spMk id="3" creationId="{42B80C29-DFE9-A5E8-C655-57AE7C84579C}"/>
+            <pc:sldMk cId="3213898774" sldId="282"/>
+            <ac:spMk id="3" creationId="{3BCF62B7-8830-4617-4429-D367D04388D8}"/>
           </ac:spMkLst>
         </pc:spChg>
       </pc:sldChg>
@@ -733,7 +634,7 @@
           <a:p>
             <a:fld id="{3BB34A33-CCE2-0646-B2BF-3C8F2A97B807}" type="datetimeFigureOut">
               <a:rPr lang="en-US" smtClean="0"/>
-              <a:t>3/6/25</a:t>
+              <a:t>1/27/26</a:t>
             </a:fld>
             <a:endParaRPr lang="en-US"/>
           </a:p>
@@ -2154,6 +2055,13 @@
             <a:tailEnd/>
           </a:ln>
         </p:spPr>
+        <p:txBody>
+          <a:bodyPr/>
+          <a:lstStyle/>
+          <a:p>
+            <a:endParaRPr lang="en-US"/>
+          </a:p>
+        </p:txBody>
       </p:sp>
       <p:sp>
         <p:nvSpPr>
@@ -2295,7 +2203,7 @@
           <a:p>
             <a:fld id="{666941AC-892E-FD49-AFF4-EDB4F11F9829}" type="datetimeFigureOut">
               <a:rPr lang="en-US" smtClean="0"/>
-              <a:t>3/6/25</a:t>
+              <a:t>1/27/26</a:t>
             </a:fld>
             <a:endParaRPr lang="en-US"/>
           </a:p>
@@ -2410,6 +2318,13 @@
             <a:schemeClr val="lt1"/>
           </a:fontRef>
         </p:style>
+        <p:txBody>
+          <a:bodyPr/>
+          <a:lstStyle/>
+          <a:p>
+            <a:endParaRPr lang="en-US"/>
+          </a:p>
+        </p:txBody>
       </p:sp>
     </p:spTree>
     <p:extLst>
@@ -2533,7 +2448,7 @@
           <a:p>
             <a:fld id="{666941AC-892E-FD49-AFF4-EDB4F11F9829}" type="datetimeFigureOut">
               <a:rPr lang="en-US" smtClean="0"/>
-              <a:t>3/6/25</a:t>
+              <a:t>1/27/26</a:t>
             </a:fld>
             <a:endParaRPr lang="en-US"/>
           </a:p>
@@ -2713,7 +2628,7 @@
           <a:p>
             <a:fld id="{666941AC-892E-FD49-AFF4-EDB4F11F9829}" type="datetimeFigureOut">
               <a:rPr lang="en-US" smtClean="0"/>
-              <a:t>3/6/25</a:t>
+              <a:t>1/27/26</a:t>
             </a:fld>
             <a:endParaRPr lang="en-US"/>
           </a:p>
@@ -2883,7 +2798,7 @@
           <a:p>
             <a:fld id="{666941AC-892E-FD49-AFF4-EDB4F11F9829}" type="datetimeFigureOut">
               <a:rPr lang="en-US" smtClean="0"/>
-              <a:t>3/6/25</a:t>
+              <a:t>1/27/26</a:t>
             </a:fld>
             <a:endParaRPr lang="en-US"/>
           </a:p>
@@ -3159,7 +3074,7 @@
           <a:p>
             <a:fld id="{666941AC-892E-FD49-AFF4-EDB4F11F9829}" type="datetimeFigureOut">
               <a:rPr lang="en-US" smtClean="0"/>
-              <a:t>3/6/25</a:t>
+              <a:t>1/27/26</a:t>
             </a:fld>
             <a:endParaRPr lang="en-US"/>
           </a:p>
@@ -4360,7 +4275,7 @@
           <a:p>
             <a:fld id="{666941AC-892E-FD49-AFF4-EDB4F11F9829}" type="datetimeFigureOut">
               <a:rPr lang="en-US" smtClean="0"/>
-              <a:t>3/6/25</a:t>
+              <a:t>1/27/26</a:t>
             </a:fld>
             <a:endParaRPr lang="en-US"/>
           </a:p>
@@ -4750,7 +4665,7 @@
           <a:p>
             <a:fld id="{666941AC-892E-FD49-AFF4-EDB4F11F9829}" type="datetimeFigureOut">
               <a:rPr lang="en-US" smtClean="0"/>
-              <a:t>3/6/25</a:t>
+              <a:t>1/27/26</a:t>
             </a:fld>
             <a:endParaRPr lang="en-US"/>
           </a:p>
@@ -4873,7 +4788,7 @@
           <a:p>
             <a:fld id="{666941AC-892E-FD49-AFF4-EDB4F11F9829}" type="datetimeFigureOut">
               <a:rPr lang="en-US" smtClean="0"/>
-              <a:t>3/6/25</a:t>
+              <a:t>1/27/26</a:t>
             </a:fld>
             <a:endParaRPr lang="en-US"/>
           </a:p>
@@ -4968,7 +4883,7 @@
           <a:p>
             <a:fld id="{666941AC-892E-FD49-AFF4-EDB4F11F9829}" type="datetimeFigureOut">
               <a:rPr lang="en-US" smtClean="0"/>
-              <a:t>3/6/25</a:t>
+              <a:t>1/27/26</a:t>
             </a:fld>
             <a:endParaRPr lang="en-US"/>
           </a:p>
@@ -5731,7 +5646,7 @@
           <a:p>
             <a:fld id="{666941AC-892E-FD49-AFF4-EDB4F11F9829}" type="datetimeFigureOut">
               <a:rPr lang="en-US" smtClean="0"/>
-              <a:t>3/6/25</a:t>
+              <a:t>1/27/26</a:t>
             </a:fld>
             <a:endParaRPr lang="en-US"/>
           </a:p>
@@ -6571,7 +6486,7 @@
           <a:p>
             <a:fld id="{666941AC-892E-FD49-AFF4-EDB4F11F9829}" type="datetimeFigureOut">
               <a:rPr lang="en-US" smtClean="0"/>
-              <a:t>3/6/25</a:t>
+              <a:t>1/27/26</a:t>
             </a:fld>
             <a:endParaRPr lang="en-US"/>
           </a:p>
@@ -6798,7 +6713,7 @@
           <a:p>
             <a:fld id="{666941AC-892E-FD49-AFF4-EDB4F11F9829}" type="datetimeFigureOut">
               <a:rPr lang="en-US" smtClean="0"/>
-              <a:t>3/6/25</a:t>
+              <a:t>1/27/26</a:t>
             </a:fld>
             <a:endParaRPr lang="en-US"/>
           </a:p>
@@ -7347,6 +7262,13 @@
             <a:tailEnd/>
           </a:ln>
         </p:spPr>
+        <p:txBody>
+          <a:bodyPr/>
+          <a:lstStyle/>
+          <a:p>
+            <a:endParaRPr lang="en-US"/>
+          </a:p>
+        </p:txBody>
       </p:sp>
       <p:sp>
         <p:nvSpPr>
@@ -7385,6 +7307,13 @@
             <a:schemeClr val="lt1"/>
           </a:fontRef>
         </p:style>
+        <p:txBody>
+          <a:bodyPr/>
+          <a:lstStyle/>
+          <a:p>
+            <a:endParaRPr lang="en-US"/>
+          </a:p>
+        </p:txBody>
       </p:sp>
     </p:spTree>
     <p:extLst>
@@ -12058,8 +11987,8 @@
           </a:p>
         </p:txBody>
       </p:sp>
-      <mc:AlternateContent xmlns:mc="http://schemas.openxmlformats.org/markup-compatibility/2006" xmlns:a14="http://schemas.microsoft.com/office/drawing/2010/main">
-        <mc:Choice Requires="a14">
+      <mc:AlternateContent xmlns:mc="http://schemas.openxmlformats.org/markup-compatibility/2006">
+        <mc:Choice xmlns:a14="http://schemas.microsoft.com/office/drawing/2010/main" Requires="a14">
           <p:sp>
             <p:nvSpPr>
               <p:cNvPr id="3" name="Content Placeholder 2">
@@ -12298,7 +12227,7 @@
               <a:p>
                 <a:r>
                   <a:rPr lang="en-US" dirty="0"/>
-                  <a:t>But how do we go about estimating the relationship between </a:t>
+                  <a:t>How do we go about estimating the relationship between </a:t>
                 </a:r>
                 <a14:m>
                   <m:oMath xmlns:m="http://schemas.openxmlformats.org/officeDocument/2006/math">
@@ -12332,7 +12261,7 @@
             </p:txBody>
           </p:sp>
         </mc:Choice>
-        <mc:Fallback xmlns="">
+        <mc:Fallback>
           <p:sp>
             <p:nvSpPr>
               <p:cNvPr id="3" name="Content Placeholder 2">
@@ -12353,7 +12282,7 @@
               <a:blipFill>
                 <a:blip r:embed="rId2"/>
                 <a:stretch>
-                  <a:fillRect l="-498" t="-704"/>
+                  <a:fillRect l="-498" t="-704" r="-374"/>
                 </a:stretch>
               </a:blipFill>
             </p:spPr>
@@ -15159,8 +15088,8 @@
           </a:p>
         </p:txBody>
       </p:sp>
-      <mc:AlternateContent xmlns:mc="http://schemas.openxmlformats.org/markup-compatibility/2006" xmlns:a14="http://schemas.microsoft.com/office/drawing/2010/main">
-        <mc:Choice Requires="a14">
+      <mc:AlternateContent xmlns:mc="http://schemas.openxmlformats.org/markup-compatibility/2006">
+        <mc:Choice xmlns:a14="http://schemas.microsoft.com/office/drawing/2010/main" Requires="a14">
           <p:sp>
             <p:nvSpPr>
               <p:cNvPr id="3" name="Content Placeholder 2">
@@ -15499,7 +15428,7 @@
             </p:txBody>
           </p:sp>
         </mc:Choice>
-        <mc:Fallback xmlns="">
+        <mc:Fallback>
           <p:sp>
             <p:nvSpPr>
               <p:cNvPr id="3" name="Content Placeholder 2">
@@ -15549,6 +15478,245 @@
   <p:clrMapOvr>
     <a:masterClrMapping/>
   </p:clrMapOvr>
+  <p:timing>
+    <p:tnLst>
+      <p:par>
+        <p:cTn id="1" dur="indefinite" restart="never" nodeType="tmRoot">
+          <p:childTnLst>
+            <p:seq concurrent="1" nextAc="seek">
+              <p:cTn id="2" dur="indefinite" nodeType="mainSeq">
+                <p:childTnLst>
+                  <p:par>
+                    <p:cTn id="3" fill="hold">
+                      <p:stCondLst>
+                        <p:cond delay="indefinite"/>
+                      </p:stCondLst>
+                      <p:childTnLst>
+                        <p:par>
+                          <p:cTn id="4" fill="hold">
+                            <p:stCondLst>
+                              <p:cond delay="0"/>
+                            </p:stCondLst>
+                            <p:childTnLst>
+                              <p:par>
+                                <p:cTn id="5" presetID="1" presetClass="entr" presetSubtype="0" fill="hold" nodeType="clickEffect">
+                                  <p:stCondLst>
+                                    <p:cond delay="0"/>
+                                  </p:stCondLst>
+                                  <p:childTnLst>
+                                    <p:set>
+                                      <p:cBhvr>
+                                        <p:cTn id="6" dur="1" fill="hold">
+                                          <p:stCondLst>
+                                            <p:cond delay="0"/>
+                                          </p:stCondLst>
+                                        </p:cTn>
+                                        <p:tgtEl>
+                                          <p:spTgt spid="3">
+                                            <p:txEl>
+                                              <p:pRg st="1" end="1"/>
+                                            </p:txEl>
+                                          </p:spTgt>
+                                        </p:tgtEl>
+                                        <p:attrNameLst>
+                                          <p:attrName>style.visibility</p:attrName>
+                                        </p:attrNameLst>
+                                      </p:cBhvr>
+                                      <p:to>
+                                        <p:strVal val="visible"/>
+                                      </p:to>
+                                    </p:set>
+                                  </p:childTnLst>
+                                </p:cTn>
+                              </p:par>
+                              <p:par>
+                                <p:cTn id="7" presetID="1" presetClass="entr" presetSubtype="0" fill="hold" nodeType="withEffect">
+                                  <p:stCondLst>
+                                    <p:cond delay="0"/>
+                                  </p:stCondLst>
+                                  <p:childTnLst>
+                                    <p:set>
+                                      <p:cBhvr>
+                                        <p:cTn id="8" dur="1" fill="hold">
+                                          <p:stCondLst>
+                                            <p:cond delay="0"/>
+                                          </p:stCondLst>
+                                        </p:cTn>
+                                        <p:tgtEl>
+                                          <p:spTgt spid="3">
+                                            <p:txEl>
+                                              <p:pRg st="2" end="2"/>
+                                            </p:txEl>
+                                          </p:spTgt>
+                                        </p:tgtEl>
+                                        <p:attrNameLst>
+                                          <p:attrName>style.visibility</p:attrName>
+                                        </p:attrNameLst>
+                                      </p:cBhvr>
+                                      <p:to>
+                                        <p:strVal val="visible"/>
+                                      </p:to>
+                                    </p:set>
+                                  </p:childTnLst>
+                                </p:cTn>
+                              </p:par>
+                            </p:childTnLst>
+                          </p:cTn>
+                        </p:par>
+                      </p:childTnLst>
+                    </p:cTn>
+                  </p:par>
+                  <p:par>
+                    <p:cTn id="9" fill="hold">
+                      <p:stCondLst>
+                        <p:cond delay="indefinite"/>
+                      </p:stCondLst>
+                      <p:childTnLst>
+                        <p:par>
+                          <p:cTn id="10" fill="hold">
+                            <p:stCondLst>
+                              <p:cond delay="0"/>
+                            </p:stCondLst>
+                            <p:childTnLst>
+                              <p:par>
+                                <p:cTn id="11" presetID="1" presetClass="entr" presetSubtype="0" fill="hold" nodeType="clickEffect">
+                                  <p:stCondLst>
+                                    <p:cond delay="0"/>
+                                  </p:stCondLst>
+                                  <p:childTnLst>
+                                    <p:set>
+                                      <p:cBhvr>
+                                        <p:cTn id="12" dur="1" fill="hold">
+                                          <p:stCondLst>
+                                            <p:cond delay="0"/>
+                                          </p:stCondLst>
+                                        </p:cTn>
+                                        <p:tgtEl>
+                                          <p:spTgt spid="3">
+                                            <p:txEl>
+                                              <p:pRg st="3" end="3"/>
+                                            </p:txEl>
+                                          </p:spTgt>
+                                        </p:tgtEl>
+                                        <p:attrNameLst>
+                                          <p:attrName>style.visibility</p:attrName>
+                                        </p:attrNameLst>
+                                      </p:cBhvr>
+                                      <p:to>
+                                        <p:strVal val="visible"/>
+                                      </p:to>
+                                    </p:set>
+                                  </p:childTnLst>
+                                </p:cTn>
+                              </p:par>
+                            </p:childTnLst>
+                          </p:cTn>
+                        </p:par>
+                      </p:childTnLst>
+                    </p:cTn>
+                  </p:par>
+                  <p:par>
+                    <p:cTn id="13" fill="hold">
+                      <p:stCondLst>
+                        <p:cond delay="indefinite"/>
+                      </p:stCondLst>
+                      <p:childTnLst>
+                        <p:par>
+                          <p:cTn id="14" fill="hold">
+                            <p:stCondLst>
+                              <p:cond delay="0"/>
+                            </p:stCondLst>
+                            <p:childTnLst>
+                              <p:par>
+                                <p:cTn id="15" presetID="1" presetClass="entr" presetSubtype="0" fill="hold" nodeType="clickEffect">
+                                  <p:stCondLst>
+                                    <p:cond delay="0"/>
+                                  </p:stCondLst>
+                                  <p:childTnLst>
+                                    <p:set>
+                                      <p:cBhvr>
+                                        <p:cTn id="16" dur="1" fill="hold">
+                                          <p:stCondLst>
+                                            <p:cond delay="0"/>
+                                          </p:stCondLst>
+                                        </p:cTn>
+                                        <p:tgtEl>
+                                          <p:spTgt spid="3">
+                                            <p:txEl>
+                                              <p:pRg st="4" end="4"/>
+                                            </p:txEl>
+                                          </p:spTgt>
+                                        </p:tgtEl>
+                                        <p:attrNameLst>
+                                          <p:attrName>style.visibility</p:attrName>
+                                        </p:attrNameLst>
+                                      </p:cBhvr>
+                                      <p:to>
+                                        <p:strVal val="visible"/>
+                                      </p:to>
+                                    </p:set>
+                                  </p:childTnLst>
+                                </p:cTn>
+                              </p:par>
+                              <p:par>
+                                <p:cTn id="17" presetID="1" presetClass="entr" presetSubtype="0" fill="hold" nodeType="withEffect">
+                                  <p:stCondLst>
+                                    <p:cond delay="0"/>
+                                  </p:stCondLst>
+                                  <p:childTnLst>
+                                    <p:set>
+                                      <p:cBhvr>
+                                        <p:cTn id="18" dur="1" fill="hold">
+                                          <p:stCondLst>
+                                            <p:cond delay="0"/>
+                                          </p:stCondLst>
+                                        </p:cTn>
+                                        <p:tgtEl>
+                                          <p:spTgt spid="3">
+                                            <p:txEl>
+                                              <p:pRg st="5" end="5"/>
+                                            </p:txEl>
+                                          </p:spTgt>
+                                        </p:tgtEl>
+                                        <p:attrNameLst>
+                                          <p:attrName>style.visibility</p:attrName>
+                                        </p:attrNameLst>
+                                      </p:cBhvr>
+                                      <p:to>
+                                        <p:strVal val="visible"/>
+                                      </p:to>
+                                    </p:set>
+                                  </p:childTnLst>
+                                </p:cTn>
+                              </p:par>
+                            </p:childTnLst>
+                          </p:cTn>
+                        </p:par>
+                      </p:childTnLst>
+                    </p:cTn>
+                  </p:par>
+                </p:childTnLst>
+              </p:cTn>
+              <p:prevCondLst>
+                <p:cond evt="onPrev" delay="0">
+                  <p:tgtEl>
+                    <p:sldTgt/>
+                  </p:tgtEl>
+                </p:cond>
+              </p:prevCondLst>
+              <p:nextCondLst>
+                <p:cond evt="onNext" delay="0">
+                  <p:tgtEl>
+                    <p:sldTgt/>
+                  </p:tgtEl>
+                </p:cond>
+              </p:nextCondLst>
+            </p:seq>
+          </p:childTnLst>
+        </p:cTn>
+      </p:par>
+    </p:tnLst>
+  </p:timing>
 </p:sld>
 </file>
 
